--- a/Daily Agendas/Day7.5_Ransomware.pptx
+++ b/Daily Agendas/Day7.5_Ransomware.pptx
@@ -8,8 +8,9 @@
     <p:sldId id="257" r:id="rId2"/>
     <p:sldId id="259" r:id="rId3"/>
     <p:sldId id="261" r:id="rId4"/>
-    <p:sldId id="260" r:id="rId5"/>
-    <p:sldId id="262" r:id="rId6"/>
+    <p:sldId id="263" r:id="rId5"/>
+    <p:sldId id="260" r:id="rId6"/>
+    <p:sldId id="262" r:id="rId7"/>
   </p:sldIdLst>
   <p:sldSz cx="9144000" cy="6858000" type="screen4x3"/>
   <p:notesSz cx="6858000" cy="9144000"/>
@@ -3125,37 +3126,36 @@
           <a:p>
             <a:pPr lvl="1"/>
             <a:r>
-              <a:rPr lang="en-CA" dirty="0" smtClean="0"/>
+              <a:rPr lang="en-CA" dirty="0"/>
               <a:t>Case Study C.3 </a:t>
             </a:r>
             <a:r>
-              <a:rPr lang="en-CA" dirty="0" err="1" smtClean="0"/>
+              <a:rPr lang="en-CA" dirty="0" err="1"/>
               <a:t>Ransomware</a:t>
             </a:r>
             <a:r>
-              <a:rPr lang="en-CA" dirty="0" smtClean="0"/>
+              <a:rPr lang="en-CA" dirty="0"/>
               <a:t> Analysis</a:t>
             </a:r>
-            <a:endParaRPr lang="en-CA" dirty="0"/>
           </a:p>
           <a:p>
             <a:pPr lvl="2"/>
             <a:r>
-              <a:rPr lang="en-CA" dirty="0" smtClean="0"/>
+              <a:rPr lang="en-CA" dirty="0"/>
               <a:t>Begin Today / Complete For Homework</a:t>
             </a:r>
           </a:p>
           <a:p>
             <a:pPr lvl="1"/>
             <a:r>
-              <a:rPr lang="en-CA" dirty="0" smtClean="0"/>
+              <a:rPr lang="en-CA" dirty="0"/>
               <a:t>Mark Spreadsheet </a:t>
             </a:r>
           </a:p>
           <a:p>
             <a:pPr lvl="2"/>
             <a:r>
-              <a:rPr lang="en-CA" dirty="0" smtClean="0"/>
+              <a:rPr lang="en-CA" dirty="0"/>
               <a:t>Catch-Up / Fill in those Blanks!</a:t>
             </a:r>
             <a:r>
@@ -3177,7 +3177,7 @@
             <a:pPr lvl="1"/>
             <a:r>
               <a:rPr lang="en-CA" dirty="0" smtClean="0"/>
-              <a:t>Monday: Computer Memory</a:t>
+              <a:t>Monday: Virus Presentations</a:t>
             </a:r>
             <a:endParaRPr lang="en-US" dirty="0"/>
           </a:p>
@@ -3371,6 +3371,13 @@
   <p:clrMapOvr>
     <a:masterClrMapping/>
   </p:clrMapOvr>
+  <p:timing>
+    <p:tnLst>
+      <p:par>
+        <p:cTn id="1" dur="indefinite" restart="never" nodeType="tmRoot"/>
+      </p:par>
+    </p:tnLst>
+  </p:timing>
 </p:sld>
 </file>
 
@@ -3574,10 +3581,264 @@
   <p:clrMapOvr>
     <a:masterClrMapping/>
   </p:clrMapOvr>
+  <p:timing>
+    <p:tnLst>
+      <p:par>
+        <p:cTn id="1" dur="indefinite" restart="never" nodeType="tmRoot"/>
+      </p:par>
+    </p:tnLst>
+  </p:timing>
 </p:sld>
 </file>
 
 <file path=ppt/slides/slide4.xml><?xml version="1.0" encoding="utf-8"?>
+<p:sld xmlns:a="http://schemas.openxmlformats.org/drawingml/2006/main" xmlns:r="http://schemas.openxmlformats.org/officeDocument/2006/relationships" xmlns:p="http://schemas.openxmlformats.org/presentationml/2006/main">
+  <p:cSld>
+    <p:spTree>
+      <p:nvGrpSpPr>
+        <p:cNvPr id="1" name=""/>
+        <p:cNvGrpSpPr/>
+        <p:nvPr/>
+      </p:nvGrpSpPr>
+      <p:grpSpPr>
+        <a:xfrm>
+          <a:off x="0" y="0"/>
+          <a:ext cx="0" cy="0"/>
+          <a:chOff x="0" y="0"/>
+          <a:chExt cx="0" cy="0"/>
+        </a:xfrm>
+      </p:grpSpPr>
+      <p:sp>
+        <p:nvSpPr>
+          <p:cNvPr id="2" name="Title 1"/>
+          <p:cNvSpPr>
+            <a:spLocks noGrp="1"/>
+          </p:cNvSpPr>
+          <p:nvPr>
+            <p:ph type="title"/>
+          </p:nvPr>
+        </p:nvSpPr>
+        <p:spPr/>
+        <p:txBody>
+          <a:bodyPr/>
+          <a:lstStyle/>
+          <a:p>
+            <a:r>
+              <a:rPr lang="en-CA" dirty="0" smtClean="0"/>
+              <a:t>Computer Virus – 2010s</a:t>
+            </a:r>
+            <a:endParaRPr lang="en-US" dirty="0"/>
+          </a:p>
+        </p:txBody>
+      </p:sp>
+      <p:sp>
+        <p:nvSpPr>
+          <p:cNvPr id="3" name="Content Placeholder 2"/>
+          <p:cNvSpPr>
+            <a:spLocks noGrp="1"/>
+          </p:cNvSpPr>
+          <p:nvPr>
+            <p:ph idx="1"/>
+          </p:nvPr>
+        </p:nvSpPr>
+        <p:spPr/>
+        <p:txBody>
+          <a:bodyPr>
+            <a:normAutofit fontScale="62500" lnSpcReduction="20000"/>
+          </a:bodyPr>
+          <a:lstStyle/>
+          <a:p>
+            <a:r>
+              <a:rPr lang="en-CA" dirty="0" smtClean="0"/>
+              <a:t>Method: Network Based</a:t>
+            </a:r>
+          </a:p>
+          <a:p>
+            <a:pPr lvl="1"/>
+            <a:r>
+              <a:rPr lang="en-CA" dirty="0" smtClean="0"/>
+              <a:t>Direct Attack on your PC/Device </a:t>
+            </a:r>
+            <a:br>
+              <a:rPr lang="en-CA" dirty="0" smtClean="0"/>
+            </a:br>
+            <a:r>
+              <a:rPr lang="en-CA" dirty="0" smtClean="0"/>
+              <a:t>through your Internet Connection</a:t>
+            </a:r>
+          </a:p>
+          <a:p>
+            <a:pPr lvl="1"/>
+            <a:r>
+              <a:rPr lang="en-CA" dirty="0" smtClean="0"/>
+              <a:t>Defeat the “Firewall” Software on your PC / Device.</a:t>
+            </a:r>
+          </a:p>
+          <a:p>
+            <a:pPr lvl="1"/>
+            <a:endParaRPr lang="en-CA" dirty="0" smtClean="0"/>
+          </a:p>
+          <a:p>
+            <a:r>
+              <a:rPr lang="en-CA" dirty="0" smtClean="0"/>
+              <a:t>Objective</a:t>
+            </a:r>
+          </a:p>
+          <a:p>
+            <a:pPr lvl="1"/>
+            <a:r>
+              <a:rPr lang="en-CA" dirty="0" smtClean="0"/>
+              <a:t>To exploit the </a:t>
+            </a:r>
+            <a:r>
+              <a:rPr lang="en-CA" dirty="0" smtClean="0"/>
+              <a:t>software vulnerabilities </a:t>
+            </a:r>
+            <a:br>
+              <a:rPr lang="en-CA" dirty="0" smtClean="0"/>
+            </a:br>
+            <a:r>
+              <a:rPr lang="en-CA" dirty="0" smtClean="0"/>
+              <a:t>of Operating </a:t>
+            </a:r>
+            <a:r>
+              <a:rPr lang="en-CA" dirty="0" smtClean="0"/>
+              <a:t>System &amp; </a:t>
+            </a:r>
+            <a:r>
+              <a:rPr lang="en-CA" dirty="0" smtClean="0"/>
+              <a:t>Programs</a:t>
+            </a:r>
+          </a:p>
+          <a:p>
+            <a:pPr lvl="1"/>
+            <a:r>
+              <a:rPr lang="en-CA" dirty="0" smtClean="0"/>
+              <a:t>To </a:t>
+            </a:r>
+            <a:r>
+              <a:rPr lang="en-CA" dirty="0" smtClean="0"/>
+              <a:t>keep ahead of the security fixes </a:t>
+            </a:r>
+            <a:r>
+              <a:rPr lang="en-CA" dirty="0" smtClean="0"/>
+              <a:t/>
+            </a:r>
+            <a:br>
+              <a:rPr lang="en-CA" dirty="0" smtClean="0"/>
+            </a:br>
+            <a:r>
+              <a:rPr lang="en-CA" dirty="0" smtClean="0"/>
+              <a:t>provided by Microsoft / Apple / Android</a:t>
+            </a:r>
+            <a:endParaRPr lang="en-CA" dirty="0" smtClean="0"/>
+          </a:p>
+          <a:p>
+            <a:pPr lvl="1"/>
+            <a:endParaRPr lang="en-CA" dirty="0" smtClean="0"/>
+          </a:p>
+          <a:p>
+            <a:r>
+              <a:rPr lang="en-CA" dirty="0" smtClean="0"/>
+              <a:t>Effects</a:t>
+            </a:r>
+          </a:p>
+          <a:p>
+            <a:pPr lvl="1"/>
+            <a:r>
+              <a:rPr lang="en-CA" dirty="0" smtClean="0"/>
+              <a:t>Hack your computer</a:t>
+            </a:r>
+          </a:p>
+          <a:p>
+            <a:pPr lvl="1"/>
+            <a:r>
+              <a:rPr lang="en-CA" dirty="0" smtClean="0"/>
+              <a:t>Steal your “contacts” list</a:t>
+            </a:r>
+          </a:p>
+          <a:p>
+            <a:pPr lvl="1"/>
+            <a:r>
+              <a:rPr lang="en-CA" dirty="0" smtClean="0"/>
+              <a:t>Loss of personal (Financial) information</a:t>
+            </a:r>
+          </a:p>
+          <a:p>
+            <a:pPr lvl="1"/>
+            <a:r>
+              <a:rPr lang="en-CA" dirty="0" smtClean="0"/>
+              <a:t>Financial Scams</a:t>
+            </a:r>
+          </a:p>
+          <a:p>
+            <a:pPr lvl="1"/>
+            <a:endParaRPr lang="en-US" dirty="0"/>
+          </a:p>
+        </p:txBody>
+      </p:sp>
+      <p:pic>
+        <p:nvPicPr>
+          <p:cNvPr id="1026" name="Picture 2" descr="Image result for computer security updates"/>
+          <p:cNvPicPr>
+            <a:picLocks noChangeAspect="1" noChangeArrowheads="1"/>
+          </p:cNvPicPr>
+          <p:nvPr/>
+        </p:nvPicPr>
+        <p:blipFill>
+          <a:blip r:embed="rId2">
+            <a:extLst>
+              <a:ext uri="{28A0092B-C50C-407E-A947-70E740481C1C}">
+                <a14:useLocalDpi xmlns:a14="http://schemas.microsoft.com/office/drawing/2010/main" val="0"/>
+              </a:ext>
+            </a:extLst>
+          </a:blip>
+          <a:srcRect/>
+          <a:stretch>
+            <a:fillRect/>
+          </a:stretch>
+        </p:blipFill>
+        <p:spPr bwMode="auto">
+          <a:xfrm rot="245260">
+            <a:off x="5193899" y="3025366"/>
+            <a:ext cx="3725843" cy="2381592"/>
+          </a:xfrm>
+          <a:prstGeom prst="rect">
+            <a:avLst/>
+          </a:prstGeom>
+          <a:noFill/>
+          <a:extLst>
+            <a:ext uri="{909E8E84-426E-40DD-AFC4-6F175D3DCCD1}">
+              <a14:hiddenFill xmlns:a14="http://schemas.microsoft.com/office/drawing/2010/main">
+                <a:solidFill>
+                  <a:srgbClr val="FFFFFF"/>
+                </a:solidFill>
+              </a14:hiddenFill>
+            </a:ext>
+          </a:extLst>
+        </p:spPr>
+      </p:pic>
+    </p:spTree>
+    <p:extLst>
+      <p:ext uri="{BB962C8B-B14F-4D97-AF65-F5344CB8AC3E}">
+        <p14:creationId xmlns:p14="http://schemas.microsoft.com/office/powerpoint/2010/main" val="2718218509"/>
+      </p:ext>
+    </p:extLst>
+  </p:cSld>
+  <p:clrMapOvr>
+    <a:masterClrMapping/>
+  </p:clrMapOvr>
+  <p:timing>
+    <p:tnLst>
+      <p:par>
+        <p:cTn id="1" dur="indefinite" restart="never" nodeType="tmRoot"/>
+      </p:par>
+    </p:tnLst>
+  </p:timing>
+</p:sld>
+</file>
+
+<file path=ppt/slides/slide5.xml><?xml version="1.0" encoding="utf-8"?>
 <p:sld xmlns:a="http://schemas.openxmlformats.org/drawingml/2006/main" xmlns:r="http://schemas.openxmlformats.org/officeDocument/2006/relationships" xmlns:p="http://schemas.openxmlformats.org/presentationml/2006/main">
   <p:cSld>
     <p:spTree>
@@ -3796,10 +4057,17 @@
   <p:clrMapOvr>
     <a:masterClrMapping/>
   </p:clrMapOvr>
+  <p:timing>
+    <p:tnLst>
+      <p:par>
+        <p:cTn id="1" dur="indefinite" restart="never" nodeType="tmRoot"/>
+      </p:par>
+    </p:tnLst>
+  </p:timing>
 </p:sld>
 </file>
 
-<file path=ppt/slides/slide5.xml><?xml version="1.0" encoding="utf-8"?>
+<file path=ppt/slides/slide6.xml><?xml version="1.0" encoding="utf-8"?>
 <p:sld xmlns:a="http://schemas.openxmlformats.org/drawingml/2006/main" xmlns:r="http://schemas.openxmlformats.org/officeDocument/2006/relationships" xmlns:p="http://schemas.openxmlformats.org/presentationml/2006/main">
   <p:cSld>
     <p:spTree>
@@ -3976,6 +4244,13 @@
   <p:clrMapOvr>
     <a:masterClrMapping/>
   </p:clrMapOvr>
+  <p:timing>
+    <p:tnLst>
+      <p:par>
+        <p:cTn id="1" dur="indefinite" restart="never" nodeType="tmRoot"/>
+      </p:par>
+    </p:tnLst>
+  </p:timing>
 </p:sld>
 </file>
 
